--- a/渔乐生活/受控文档/翻转课堂/PRD2019-G06-UML综合.pptx
+++ b/渔乐生活/受控文档/翻转课堂/PRD2019-G06-UML综合.pptx
@@ -9,7 +9,7 @@
     <p:sldMasterId id="2147483685" r:id="rId5"/>
   </p:sldMasterIdLst>
   <p:notesMasterIdLst>
-    <p:notesMasterId r:id="rId47"/>
+    <p:notesMasterId r:id="rId48"/>
   </p:notesMasterIdLst>
   <p:sldIdLst>
     <p:sldId id="1072" r:id="rId6"/>
@@ -51,13 +51,14 @@
     <p:sldId id="4061" r:id="rId42"/>
     <p:sldId id="4062" r:id="rId43"/>
     <p:sldId id="4063" r:id="rId44"/>
-    <p:sldId id="4064" r:id="rId45"/>
-    <p:sldId id="4095" r:id="rId46"/>
+    <p:sldId id="4103" r:id="rId45"/>
+    <p:sldId id="4064" r:id="rId46"/>
+    <p:sldId id="4095" r:id="rId47"/>
   </p:sldIdLst>
   <p:sldSz cx="12192000" cy="6858000"/>
   <p:notesSz cx="6858000" cy="9144000"/>
   <p:custDataLst>
-    <p:tags r:id="rId48"/>
+    <p:tags r:id="rId49"/>
   </p:custDataLst>
   <p:defaultTextStyle>
     <a:defPPr>
@@ -5574,7 +5575,7 @@
     </p:spTree>
     <p:extLst>
       <p:ext uri="{BB962C8B-B14F-4D97-AF65-F5344CB8AC3E}">
-        <p14:creationId xmlns:p14="http://schemas.microsoft.com/office/powerpoint/2010/main" val="2548862208"/>
+        <p14:creationId xmlns:p14="http://schemas.microsoft.com/office/powerpoint/2010/main" val="677621650"/>
       </p:ext>
     </p:extLst>
   </p:cSld>
@@ -5650,6 +5651,90 @@
             <a:fld id="{C6471570-9499-4A70-9F44-ADE5828AEB1C}" type="slidenum">
               <a:rPr lang="zh-CN" altLang="en-US" smtClean="0"/>
               <a:t>41</a:t>
+            </a:fld>
+            <a:endParaRPr lang="zh-CN" altLang="en-US"/>
+          </a:p>
+        </p:txBody>
+      </p:sp>
+    </p:spTree>
+    <p:extLst>
+      <p:ext uri="{BB962C8B-B14F-4D97-AF65-F5344CB8AC3E}">
+        <p14:creationId xmlns:p14="http://schemas.microsoft.com/office/powerpoint/2010/main" val="2548862208"/>
+      </p:ext>
+    </p:extLst>
+  </p:cSld>
+  <p:clrMapOvr>
+    <a:masterClrMapping/>
+  </p:clrMapOvr>
+</p:notes>
+</file>
+
+<file path=ppt/notesSlides/notesSlide42.xml><?xml version="1.0" encoding="utf-8"?>
+<p:notes xmlns:a="http://schemas.openxmlformats.org/drawingml/2006/main" xmlns:r="http://schemas.openxmlformats.org/officeDocument/2006/relationships" xmlns:p="http://schemas.openxmlformats.org/presentationml/2006/main">
+  <p:cSld>
+    <p:spTree>
+      <p:nvGrpSpPr>
+        <p:cNvPr id="1" name=""/>
+        <p:cNvGrpSpPr/>
+        <p:nvPr/>
+      </p:nvGrpSpPr>
+      <p:grpSpPr>
+        <a:xfrm>
+          <a:off x="0" y="0"/>
+          <a:ext cx="0" cy="0"/>
+          <a:chOff x="0" y="0"/>
+          <a:chExt cx="0" cy="0"/>
+        </a:xfrm>
+      </p:grpSpPr>
+      <p:sp>
+        <p:nvSpPr>
+          <p:cNvPr id="2" name="幻灯片图像占位符 1"/>
+          <p:cNvSpPr>
+            <a:spLocks noGrp="1" noRot="1" noChangeAspect="1"/>
+          </p:cNvSpPr>
+          <p:nvPr>
+            <p:ph type="sldImg"/>
+          </p:nvPr>
+        </p:nvSpPr>
+        <p:spPr/>
+      </p:sp>
+      <p:sp>
+        <p:nvSpPr>
+          <p:cNvPr id="3" name="备注占位符 2"/>
+          <p:cNvSpPr>
+            <a:spLocks noGrp="1"/>
+          </p:cNvSpPr>
+          <p:nvPr>
+            <p:ph type="body" idx="1"/>
+          </p:nvPr>
+        </p:nvSpPr>
+        <p:spPr/>
+        <p:txBody>
+          <a:bodyPr/>
+          <a:lstStyle/>
+          <a:p>
+            <a:endParaRPr lang="zh-CN" altLang="en-US" dirty="0"/>
+          </a:p>
+        </p:txBody>
+      </p:sp>
+      <p:sp>
+        <p:nvSpPr>
+          <p:cNvPr id="4" name="灯片编号占位符 3"/>
+          <p:cNvSpPr>
+            <a:spLocks noGrp="1"/>
+          </p:cNvSpPr>
+          <p:nvPr>
+            <p:ph type="sldNum" sz="quarter" idx="5"/>
+          </p:nvPr>
+        </p:nvSpPr>
+        <p:spPr/>
+        <p:txBody>
+          <a:bodyPr/>
+          <a:lstStyle/>
+          <a:p>
+            <a:fld id="{C6471570-9499-4A70-9F44-ADE5828AEB1C}" type="slidenum">
+              <a:rPr lang="zh-CN" altLang="en-US" smtClean="0"/>
+              <a:t>42</a:t>
             </a:fld>
             <a:endParaRPr lang="zh-CN" altLang="en-US"/>
           </a:p>
@@ -28114,8 +28199,16 @@
               <a:t>	</a:t>
             </a:r>
             <a:r>
+              <a:rPr lang="zh-CN" altLang="en-US" sz="3600" b="1" dirty="0">
+                <a:solidFill>
+                  <a:schemeClr val="accent1"/>
+                </a:solidFill>
+              </a:rPr>
+              <a:t>客户杨枨</a:t>
+            </a:r>
+            <a:r>
               <a:rPr lang="zh-CN" altLang="en-US" sz="3600" dirty="0"/>
-              <a:t>客户杨枨要求项目组开发一款专门面向钓鱼发烧友的</a:t>
+              <a:t>要求项目组开发一款专门面向钓鱼发烧友的</a:t>
             </a:r>
             <a:r>
               <a:rPr lang="en-US" altLang="zh-CN" sz="3600" dirty="0"/>
@@ -28123,7 +28216,19 @@
             </a:r>
             <a:r>
               <a:rPr lang="zh-CN" altLang="en-US" sz="3600" dirty="0"/>
-              <a:t>，它将提供一个以地理信息位置为基础的社交平台，主要含有新增钓点、新增渔具店、分享渔获、渔友圈社交、约钓等功能，该系统将给钓鱼爱好者提供一个良好的社交平台，该产品目前不带有商用、获利目的。</a:t>
+              <a:t>，它将提供一个以地理信息位置为基础的社交平台，</a:t>
+            </a:r>
+            <a:r>
+              <a:rPr lang="zh-CN" altLang="en-US" sz="3600" b="1" dirty="0">
+                <a:solidFill>
+                  <a:schemeClr val="accent1"/>
+                </a:solidFill>
+              </a:rPr>
+              <a:t>主要含有新增钓点、新增渔具店、分享渔获、渔友圈社交、约钓等功能</a:t>
+            </a:r>
+            <a:r>
+              <a:rPr lang="zh-CN" altLang="en-US" sz="3600" dirty="0"/>
+              <a:t>，该系统将给钓鱼爱好者提供一个良好的社交平台，该产品目前不带有商用、获利目的。</a:t>
             </a:r>
             <a:endParaRPr lang="zh-CN" altLang="en-US" sz="3200" dirty="0"/>
           </a:p>
@@ -32155,10 +32260,18 @@
           <a:lstStyle/>
           <a:p>
             <a:r>
-              <a:rPr lang="zh-CN" altLang="en-US" sz="3600" b="1" dirty="0"/>
+              <a:rPr lang="zh-CN" altLang="en-US" sz="3600" b="1" dirty="0">
+                <a:solidFill>
+                  <a:schemeClr val="accent1"/>
+                </a:solidFill>
+              </a:rPr>
               <a:t>用例说明主要组成：</a:t>
             </a:r>
-            <a:endParaRPr lang="en-US" altLang="zh-CN" sz="3600" b="1" dirty="0"/>
+            <a:endParaRPr lang="en-US" altLang="zh-CN" sz="3600" b="1" dirty="0">
+              <a:solidFill>
+                <a:schemeClr val="accent1"/>
+              </a:solidFill>
+            </a:endParaRPr>
           </a:p>
           <a:p>
             <a:r>
@@ -33551,7 +33664,19 @@
             </a:r>
             <a:r>
               <a:rPr lang="zh-CN" altLang="en-US" sz="3200" dirty="0"/>
-              <a:t>封装了数据和行为，是面向对象的重要组成部分，它是具有相同属性、操作、关系的对象集合的总称。</a:t>
+              <a:t>封装了</a:t>
+            </a:r>
+            <a:r>
+              <a:rPr lang="zh-CN" altLang="en-US" sz="3200" b="1" dirty="0">
+                <a:solidFill>
+                  <a:schemeClr val="accent1"/>
+                </a:solidFill>
+              </a:rPr>
+              <a:t>数据和行为</a:t>
+            </a:r>
+            <a:r>
+              <a:rPr lang="zh-CN" altLang="en-US" sz="3200" dirty="0"/>
+              <a:t>，是面向对象的重要组成部分，它是具有相同属性、操作、关系的对象集合的总称。</a:t>
             </a:r>
             <a:endParaRPr lang="en-US" altLang="zh-CN" sz="3200" dirty="0"/>
           </a:p>
@@ -33562,7 +33687,19 @@
             </a:r>
             <a:r>
               <a:rPr lang="zh-CN" altLang="en-US" sz="3200" dirty="0"/>
-              <a:t>，在系统中，每个类具有一定的职责，职责指的是类所担任的任务，即类要完成什么样的功能，要承担什么样的义务。一个类可以有多种职责，设计得好的类一般只有一种职责（单一职责原则），在定义类的时候，将类的职责分解成为类的属性和操作（即方法）。</a:t>
+              <a:t>，在系统中，每个类具有一定的职责，职责指的是类所担任的任务，即类要完成什么样的功能，要承担什么样的义务。一个类可以有多种职责，设计得好的类一般只有一种职责（单一职责原则），在定义类的时候，将类的职责分解成为类的</a:t>
+            </a:r>
+            <a:r>
+              <a:rPr lang="zh-CN" altLang="en-US" sz="3200" b="1" dirty="0">
+                <a:solidFill>
+                  <a:schemeClr val="accent1"/>
+                </a:solidFill>
+              </a:rPr>
+              <a:t>属性和操作（即方法）</a:t>
+            </a:r>
+            <a:r>
+              <a:rPr lang="zh-CN" altLang="en-US" sz="3200" dirty="0"/>
+              <a:t>。</a:t>
             </a:r>
             <a:endParaRPr lang="en-US" altLang="zh-CN" sz="3200" dirty="0"/>
           </a:p>
@@ -35240,7 +35377,19 @@
             </a:r>
             <a:r>
               <a:rPr lang="zh-CN" altLang="en-US" sz="3600" dirty="0"/>
-              <a:t>顺序图一般用于确认和丰富一个使用情境的逻辑。</a:t>
+              <a:t>顺序图</a:t>
+            </a:r>
+            <a:r>
+              <a:rPr lang="zh-CN" altLang="en-US" sz="3600" b="1" dirty="0">
+                <a:solidFill>
+                  <a:schemeClr val="accent1"/>
+                </a:solidFill>
+              </a:rPr>
+              <a:t>一般用于确认和丰富一个使用情境的逻辑</a:t>
+            </a:r>
+            <a:r>
+              <a:rPr lang="zh-CN" altLang="en-US" sz="3600" dirty="0"/>
+              <a:t>。</a:t>
             </a:r>
             <a:endParaRPr lang="en-US" altLang="zh-CN" sz="3600" dirty="0"/>
           </a:p>
@@ -35607,6 +35756,42 @@
           </a:p>
         </p:txBody>
       </p:sp>
+      <p:pic>
+        <p:nvPicPr>
+          <p:cNvPr id="6" name="图片 5">
+            <a:extLst>
+              <a:ext uri="{FF2B5EF4-FFF2-40B4-BE49-F238E27FC236}">
+                <a16:creationId xmlns:a16="http://schemas.microsoft.com/office/drawing/2014/main" id="{F467227D-52CC-46FD-9DCA-C05447E06EEC}"/>
+              </a:ext>
+            </a:extLst>
+          </p:cNvPr>
+          <p:cNvPicPr>
+            <a:picLocks noChangeAspect="1"/>
+          </p:cNvPicPr>
+          <p:nvPr/>
+        </p:nvPicPr>
+        <p:blipFill>
+          <a:blip r:embed="rId3">
+            <a:extLst>
+              <a:ext uri="{28A0092B-C50C-407E-A947-70E740481C1C}">
+                <a14:useLocalDpi xmlns:a14="http://schemas.microsoft.com/office/drawing/2010/main" val="0"/>
+              </a:ext>
+            </a:extLst>
+          </a:blip>
+          <a:stretch>
+            <a:fillRect/>
+          </a:stretch>
+        </p:blipFill>
+        <p:spPr>
+          <a:xfrm>
+            <a:off x="2921000" y="815617"/>
+            <a:ext cx="5689600" cy="5580709"/>
+          </a:xfrm>
+          <a:prstGeom prst="rect">
+            <a:avLst/>
+          </a:prstGeom>
+        </p:spPr>
+      </p:pic>
     </p:spTree>
     <p:extLst>
       <p:ext uri="{BB962C8B-B14F-4D97-AF65-F5344CB8AC3E}">
@@ -35869,6 +36054,66 @@
           </a:p>
         </p:txBody>
       </p:sp>
+      <p:pic>
+        <p:nvPicPr>
+          <p:cNvPr id="1026" name="图片 1">
+            <a:extLst>
+              <a:ext uri="{FF2B5EF4-FFF2-40B4-BE49-F238E27FC236}">
+                <a16:creationId xmlns:a16="http://schemas.microsoft.com/office/drawing/2014/main" id="{DED9A336-9D5E-42EC-A3D0-EC7B0AA21A7B}"/>
+              </a:ext>
+            </a:extLst>
+          </p:cNvPr>
+          <p:cNvPicPr>
+            <a:picLocks noChangeAspect="1" noChangeArrowheads="1"/>
+          </p:cNvPicPr>
+          <p:nvPr/>
+        </p:nvPicPr>
+        <p:blipFill>
+          <a:blip r:embed="rId3">
+            <a:extLst>
+              <a:ext uri="{28A0092B-C50C-407E-A947-70E740481C1C}">
+                <a14:useLocalDpi xmlns:a14="http://schemas.microsoft.com/office/drawing/2010/main" val="0"/>
+              </a:ext>
+            </a:extLst>
+          </a:blip>
+          <a:srcRect/>
+          <a:stretch>
+            <a:fillRect/>
+          </a:stretch>
+        </p:blipFill>
+        <p:spPr bwMode="auto">
+          <a:xfrm>
+            <a:off x="1825756" y="873138"/>
+            <a:ext cx="9172444" cy="5554793"/>
+          </a:xfrm>
+          <a:prstGeom prst="rect">
+            <a:avLst/>
+          </a:prstGeom>
+          <a:noFill/>
+          <a:ln>
+            <a:noFill/>
+          </a:ln>
+          <a:extLst>
+            <a:ext uri="{909E8E84-426E-40DD-AFC4-6F175D3DCCD1}">
+              <a14:hiddenFill xmlns:a14="http://schemas.microsoft.com/office/drawing/2010/main">
+                <a:solidFill>
+                  <a:srgbClr val="FFFFFF"/>
+                </a:solidFill>
+              </a14:hiddenFill>
+            </a:ext>
+            <a:ext uri="{91240B29-F687-4F45-9708-019B960494DF}">
+              <a14:hiddenLine xmlns:a14="http://schemas.microsoft.com/office/drawing/2010/main" w="9525">
+                <a:solidFill>
+                  <a:srgbClr val="000000"/>
+                </a:solidFill>
+                <a:miter lim="800000"/>
+                <a:headEnd/>
+                <a:tailEnd/>
+              </a14:hiddenLine>
+            </a:ext>
+          </a:extLst>
+        </p:spPr>
+      </p:pic>
     </p:spTree>
     <p:extLst>
       <p:ext uri="{BB962C8B-B14F-4D97-AF65-F5344CB8AC3E}">
@@ -39614,6 +39859,432 @@
               </a:spcAft>
             </a:pPr>
             <a:r>
+              <a:rPr lang="en-US" altLang="zh-CN" sz="2800" b="1" dirty="0">
+                <a:solidFill>
+                  <a:prstClr val="black"/>
+                </a:solidFill>
+                <a:latin typeface="+mn-ea"/>
+                <a:cs typeface="+mn-ea"/>
+                <a:sym typeface="+mn-lt"/>
+              </a:rPr>
+              <a:t>PPT</a:t>
+            </a:r>
+            <a:r>
+              <a:rPr lang="zh-CN" altLang="en-US" sz="2800" b="1" dirty="0">
+                <a:solidFill>
+                  <a:prstClr val="black"/>
+                </a:solidFill>
+                <a:latin typeface="+mn-ea"/>
+                <a:cs typeface="+mn-ea"/>
+                <a:sym typeface="+mn-lt"/>
+              </a:rPr>
+              <a:t>分工</a:t>
+            </a:r>
+          </a:p>
+        </p:txBody>
+      </p:sp>
+      <p:sp>
+        <p:nvSpPr>
+          <p:cNvPr id="6" name="矩形 5">
+            <a:extLst>
+              <a:ext uri="{FF2B5EF4-FFF2-40B4-BE49-F238E27FC236}">
+                <a16:creationId xmlns:a16="http://schemas.microsoft.com/office/drawing/2014/main" id="{D41042F3-9612-4967-8E3F-D400AA74A3C8}"/>
+              </a:ext>
+            </a:extLst>
+          </p:cNvPr>
+          <p:cNvSpPr/>
+          <p:nvPr/>
+        </p:nvSpPr>
+        <p:spPr>
+          <a:xfrm>
+            <a:off x="2592918" y="2034784"/>
+            <a:ext cx="8880954" cy="2554545"/>
+          </a:xfrm>
+          <a:prstGeom prst="rect">
+            <a:avLst/>
+          </a:prstGeom>
+        </p:spPr>
+        <p:txBody>
+          <a:bodyPr wrap="square">
+            <a:spAutoFit/>
+          </a:bodyPr>
+          <a:lstStyle/>
+          <a:p>
+            <a:r>
+              <a:rPr lang="zh-CN" altLang="en-US" sz="3200" b="1" dirty="0"/>
+              <a:t>赵豪杰 </a:t>
+            </a:r>
+            <a:r>
+              <a:rPr lang="en-US" altLang="zh-CN" sz="3200" dirty="0"/>
+              <a:t>PPT</a:t>
+            </a:r>
+            <a:r>
+              <a:rPr lang="zh-CN" altLang="en-US" sz="3200" dirty="0"/>
+              <a:t>资料</a:t>
+            </a:r>
+            <a:r>
+              <a:rPr lang="en-US" altLang="zh-CN" sz="3200" dirty="0"/>
+              <a:t>-</a:t>
+            </a:r>
+            <a:r>
+              <a:rPr lang="zh-CN" altLang="en-US" sz="3200" dirty="0"/>
+              <a:t>顺序图 </a:t>
+            </a:r>
+            <a:r>
+              <a:rPr lang="en-US" altLang="zh-CN" sz="3200" dirty="0"/>
+              <a:t>PPT</a:t>
+            </a:r>
+            <a:r>
+              <a:rPr lang="zh-CN" altLang="en-US" sz="3200" dirty="0"/>
+              <a:t>审核</a:t>
+            </a:r>
+            <a:endParaRPr lang="en-US" altLang="zh-CN" sz="3200" dirty="0"/>
+          </a:p>
+          <a:p>
+            <a:r>
+              <a:rPr lang="zh-CN" altLang="en-US" sz="3200" b="1" dirty="0"/>
+              <a:t>张嘉诚</a:t>
+            </a:r>
+            <a:r>
+              <a:rPr lang="zh-CN" altLang="en-US" sz="3200" dirty="0"/>
+              <a:t> </a:t>
+            </a:r>
+            <a:r>
+              <a:rPr lang="en-US" altLang="zh-CN" sz="3200" dirty="0"/>
+              <a:t>PPT</a:t>
+            </a:r>
+            <a:r>
+              <a:rPr lang="zh-CN" altLang="en-US" sz="3200" dirty="0"/>
+              <a:t>制作 </a:t>
+            </a:r>
+            <a:r>
+              <a:rPr lang="en-US" altLang="zh-CN" sz="3200" dirty="0"/>
+              <a:t>PPT</a:t>
+            </a:r>
+            <a:r>
+              <a:rPr lang="zh-CN" altLang="en-US" sz="3200" dirty="0"/>
+              <a:t>资料</a:t>
+            </a:r>
+            <a:r>
+              <a:rPr lang="en-US" altLang="zh-CN" sz="3200" dirty="0"/>
+              <a:t>-</a:t>
+            </a:r>
+            <a:r>
+              <a:rPr lang="zh-CN" altLang="en-US" sz="3200" dirty="0"/>
+              <a:t>用例图</a:t>
+            </a:r>
+            <a:endParaRPr lang="en-US" altLang="zh-CN" sz="3200" dirty="0"/>
+          </a:p>
+          <a:p>
+            <a:r>
+              <a:rPr lang="zh-CN" altLang="en-US" sz="3200" b="1" dirty="0"/>
+              <a:t>苏碧青</a:t>
+            </a:r>
+            <a:r>
+              <a:rPr lang="zh-CN" altLang="en-US" sz="3200" dirty="0"/>
+              <a:t> </a:t>
+            </a:r>
+            <a:r>
+              <a:rPr lang="en-US" altLang="zh-CN" sz="3200" dirty="0"/>
+              <a:t>PPT</a:t>
+            </a:r>
+            <a:r>
+              <a:rPr lang="zh-CN" altLang="en-US" sz="3200" dirty="0"/>
+              <a:t>制作 </a:t>
+            </a:r>
+            <a:r>
+              <a:rPr lang="en-US" altLang="zh-CN" sz="3200" dirty="0"/>
+              <a:t>PPT</a:t>
+            </a:r>
+            <a:r>
+              <a:rPr lang="zh-CN" altLang="en-US" sz="3200" dirty="0"/>
+              <a:t>资料</a:t>
+            </a:r>
+            <a:r>
+              <a:rPr lang="en-US" altLang="zh-CN" sz="3200" dirty="0"/>
+              <a:t>-</a:t>
+            </a:r>
+            <a:r>
+              <a:rPr lang="zh-CN" altLang="en-US" sz="3200" dirty="0"/>
+              <a:t>状态转换图</a:t>
+            </a:r>
+            <a:endParaRPr lang="en-US" altLang="zh-CN" sz="3200" dirty="0"/>
+          </a:p>
+          <a:p>
+            <a:r>
+              <a:rPr lang="zh-CN" altLang="en-US" sz="3200" b="1" dirty="0"/>
+              <a:t>罗培铖</a:t>
+            </a:r>
+            <a:r>
+              <a:rPr lang="zh-CN" altLang="en-US" sz="3200" dirty="0"/>
+              <a:t> </a:t>
+            </a:r>
+            <a:r>
+              <a:rPr lang="en-US" altLang="zh-CN" sz="3200" dirty="0"/>
+              <a:t>PPT</a:t>
+            </a:r>
+            <a:r>
+              <a:rPr lang="zh-CN" altLang="en-US" sz="3200" dirty="0"/>
+              <a:t>资料</a:t>
+            </a:r>
+            <a:r>
+              <a:rPr lang="en-US" altLang="zh-CN" sz="3200" dirty="0"/>
+              <a:t>-</a:t>
+            </a:r>
+            <a:r>
+              <a:rPr lang="zh-CN" altLang="en-US" sz="3200" dirty="0"/>
+              <a:t>部署图 文字资料整合</a:t>
+            </a:r>
+            <a:endParaRPr lang="en-US" altLang="zh-CN" sz="3200" dirty="0"/>
+          </a:p>
+          <a:p>
+            <a:r>
+              <a:rPr lang="zh-CN" altLang="en-US" sz="3200" b="1" dirty="0"/>
+              <a:t>郑丞钧</a:t>
+            </a:r>
+            <a:r>
+              <a:rPr lang="zh-CN" altLang="en-US" sz="3200" dirty="0"/>
+              <a:t> </a:t>
+            </a:r>
+            <a:r>
+              <a:rPr lang="en-US" altLang="zh-CN" sz="3200" dirty="0"/>
+              <a:t>PPT</a:t>
+            </a:r>
+            <a:r>
+              <a:rPr lang="zh-CN" altLang="en-US" sz="3200" dirty="0"/>
+              <a:t>资料</a:t>
+            </a:r>
+            <a:r>
+              <a:rPr lang="en-US" altLang="zh-CN" sz="3200" dirty="0"/>
+              <a:t>-</a:t>
+            </a:r>
+            <a:r>
+              <a:rPr lang="zh-CN" altLang="en-US" sz="3200" dirty="0"/>
+              <a:t>用例说明</a:t>
+            </a:r>
+            <a:endParaRPr lang="en-US" altLang="zh-CN" sz="3200" dirty="0"/>
+          </a:p>
+        </p:txBody>
+      </p:sp>
+    </p:spTree>
+    <p:extLst>
+      <p:ext uri="{BB962C8B-B14F-4D97-AF65-F5344CB8AC3E}">
+        <p14:creationId xmlns:p14="http://schemas.microsoft.com/office/powerpoint/2010/main" val="2241001404"/>
+      </p:ext>
+    </p:extLst>
+  </p:cSld>
+  <p:clrMapOvr>
+    <a:masterClrMapping/>
+  </p:clrMapOvr>
+  <mc:AlternateContent xmlns:mc="http://schemas.openxmlformats.org/markup-compatibility/2006" xmlns:p14="http://schemas.microsoft.com/office/powerpoint/2010/main">
+    <mc:Choice Requires="p14">
+      <p:transition p14:dur="0" advClick="0"/>
+    </mc:Choice>
+    <mc:Fallback xmlns="">
+      <p:transition advClick="0"/>
+    </mc:Fallback>
+  </mc:AlternateContent>
+</p:sld>
+</file>
+
+<file path=ppt/slides/slide41.xml><?xml version="1.0" encoding="utf-8"?>
+<p:sld xmlns:a="http://schemas.openxmlformats.org/drawingml/2006/main" xmlns:r="http://schemas.openxmlformats.org/officeDocument/2006/relationships" xmlns:p="http://schemas.openxmlformats.org/presentationml/2006/main">
+  <p:cSld>
+    <p:spTree>
+      <p:nvGrpSpPr>
+        <p:cNvPr id="1" name=""/>
+        <p:cNvGrpSpPr/>
+        <p:nvPr/>
+      </p:nvGrpSpPr>
+      <p:grpSpPr>
+        <a:xfrm>
+          <a:off x="0" y="0"/>
+          <a:ext cx="0" cy="0"/>
+          <a:chOff x="0" y="0"/>
+          <a:chExt cx="0" cy="0"/>
+        </a:xfrm>
+      </p:grpSpPr>
+      <p:sp>
+        <p:nvSpPr>
+          <p:cNvPr id="4" name="图文框 3"/>
+          <p:cNvSpPr/>
+          <p:nvPr/>
+        </p:nvSpPr>
+        <p:spPr>
+          <a:xfrm>
+            <a:off x="0" y="0"/>
+            <a:ext cx="12192000" cy="6858000"/>
+          </a:xfrm>
+          <a:prstGeom prst="frame">
+            <a:avLst>
+              <a:gd name="adj1" fmla="val 3072"/>
+            </a:avLst>
+          </a:prstGeom>
+          <a:gradFill flip="none" rotWithShape="1">
+            <a:gsLst>
+              <a:gs pos="20000">
+                <a:srgbClr val="786DCE"/>
+              </a:gs>
+              <a:gs pos="100000">
+                <a:srgbClr val="FF8D8D"/>
+              </a:gs>
+            </a:gsLst>
+            <a:lin ang="2700000" scaled="1"/>
+            <a:tileRect/>
+          </a:gradFill>
+          <a:ln>
+            <a:noFill/>
+          </a:ln>
+        </p:spPr>
+        <p:style>
+          <a:lnRef idx="2">
+            <a:schemeClr val="accent1">
+              <a:shade val="50000"/>
+            </a:schemeClr>
+          </a:lnRef>
+          <a:fillRef idx="1">
+            <a:schemeClr val="accent1"/>
+          </a:fillRef>
+          <a:effectRef idx="0">
+            <a:schemeClr val="accent1"/>
+          </a:effectRef>
+          <a:fontRef idx="minor">
+            <a:schemeClr val="lt1"/>
+          </a:fontRef>
+        </p:style>
+        <p:txBody>
+          <a:bodyPr rtlCol="0" anchor="ctr"/>
+          <a:lstStyle/>
+          <a:p>
+            <a:pPr lvl="0" algn="ctr"/>
+            <a:endParaRPr lang="zh-CN" altLang="en-US"/>
+          </a:p>
+        </p:txBody>
+      </p:sp>
+      <p:sp>
+        <p:nvSpPr>
+          <p:cNvPr id="2" name="日期占位符 1">
+            <a:extLst>
+              <a:ext uri="{FF2B5EF4-FFF2-40B4-BE49-F238E27FC236}">
+                <a16:creationId xmlns:a16="http://schemas.microsoft.com/office/drawing/2014/main" id="{DDE9587E-6C51-45EB-A91D-3EC47F19249F}"/>
+              </a:ext>
+            </a:extLst>
+          </p:cNvPr>
+          <p:cNvSpPr>
+            <a:spLocks noGrp="1"/>
+          </p:cNvSpPr>
+          <p:nvPr>
+            <p:ph type="dt" sz="half" idx="10"/>
+          </p:nvPr>
+        </p:nvSpPr>
+        <p:spPr/>
+        <p:txBody>
+          <a:bodyPr/>
+          <a:lstStyle/>
+          <a:p>
+            <a:fld id="{8809061D-AE28-4D04-B2F9-59B2C75B899D}" type="datetime1">
+              <a:rPr lang="zh-CN" altLang="en-US" smtClean="0"/>
+              <a:t>2018/12/25</a:t>
+            </a:fld>
+            <a:endParaRPr lang="zh-CN" altLang="en-US"/>
+          </a:p>
+        </p:txBody>
+      </p:sp>
+      <p:sp>
+        <p:nvSpPr>
+          <p:cNvPr id="3" name="页脚占位符 2">
+            <a:extLst>
+              <a:ext uri="{FF2B5EF4-FFF2-40B4-BE49-F238E27FC236}">
+                <a16:creationId xmlns:a16="http://schemas.microsoft.com/office/drawing/2014/main" id="{D3B69617-E97B-4F6F-AC7C-1AE7C0DE93F3}"/>
+              </a:ext>
+            </a:extLst>
+          </p:cNvPr>
+          <p:cNvSpPr>
+            <a:spLocks noGrp="1"/>
+          </p:cNvSpPr>
+          <p:nvPr>
+            <p:ph type="ftr" sz="quarter" idx="11"/>
+          </p:nvPr>
+        </p:nvSpPr>
+        <p:spPr/>
+        <p:txBody>
+          <a:bodyPr/>
+          <a:lstStyle/>
+          <a:p>
+            <a:r>
+              <a:rPr lang="en-US" altLang="zh-CN"/>
+              <a:t>PRD2018-G06</a:t>
+            </a:r>
+            <a:endParaRPr lang="zh-CN" altLang="en-US"/>
+          </a:p>
+        </p:txBody>
+      </p:sp>
+      <p:sp>
+        <p:nvSpPr>
+          <p:cNvPr id="9" name="灯片编号占位符 8">
+            <a:extLst>
+              <a:ext uri="{FF2B5EF4-FFF2-40B4-BE49-F238E27FC236}">
+                <a16:creationId xmlns:a16="http://schemas.microsoft.com/office/drawing/2014/main" id="{98E13260-6317-4DDC-B327-4E6C651BCE98}"/>
+              </a:ext>
+            </a:extLst>
+          </p:cNvPr>
+          <p:cNvSpPr>
+            <a:spLocks noGrp="1"/>
+          </p:cNvSpPr>
+          <p:nvPr>
+            <p:ph type="sldNum" sz="quarter" idx="12"/>
+          </p:nvPr>
+        </p:nvSpPr>
+        <p:spPr/>
+        <p:txBody>
+          <a:bodyPr/>
+          <a:lstStyle/>
+          <a:p>
+            <a:fld id="{06ABA5CD-7A95-40B8-90D9-C5B6B6D9B417}" type="slidenum">
+              <a:rPr lang="zh-CN" altLang="en-US" smtClean="0"/>
+              <a:t>41</a:t>
+            </a:fld>
+            <a:endParaRPr lang="zh-CN" altLang="en-US"/>
+          </a:p>
+        </p:txBody>
+      </p:sp>
+      <p:sp>
+        <p:nvSpPr>
+          <p:cNvPr id="8" name="文本框 7">
+            <a:extLst>
+              <a:ext uri="{FF2B5EF4-FFF2-40B4-BE49-F238E27FC236}">
+                <a16:creationId xmlns:a16="http://schemas.microsoft.com/office/drawing/2014/main" id="{6805EA45-9B76-4BDA-A17C-2FB5D0B783C7}"/>
+              </a:ext>
+            </a:extLst>
+          </p:cNvPr>
+          <p:cNvSpPr txBox="1"/>
+          <p:nvPr/>
+        </p:nvSpPr>
+        <p:spPr>
+          <a:xfrm>
+            <a:off x="-977369" y="308370"/>
+            <a:ext cx="4207336" cy="523220"/>
+          </a:xfrm>
+          <a:prstGeom prst="rect">
+            <a:avLst/>
+          </a:prstGeom>
+          <a:noFill/>
+        </p:spPr>
+        <p:txBody>
+          <a:bodyPr wrap="square" lIns="0" rIns="0" rtlCol="0">
+            <a:spAutoFit/>
+          </a:bodyPr>
+          <a:lstStyle/>
+          <a:p>
+            <a:pPr algn="ctr" defTabSz="866775" fontAlgn="base">
+              <a:spcBef>
+                <a:spcPct val="0"/>
+              </a:spcBef>
+              <a:spcAft>
+                <a:spcPct val="0"/>
+              </a:spcAft>
+            </a:pPr>
+            <a:r>
               <a:rPr lang="zh-CN" altLang="en-US" sz="2800" b="1" dirty="0">
                 <a:solidFill>
                   <a:prstClr val="black"/>
@@ -39798,7 +40469,7 @@
 </p:sld>
 </file>
 
-<file path=ppt/slides/slide41.xml><?xml version="1.0" encoding="utf-8"?>
+<file path=ppt/slides/slide42.xml><?xml version="1.0" encoding="utf-8"?>
 <p:sld xmlns:a="http://schemas.openxmlformats.org/drawingml/2006/main" xmlns:r="http://schemas.openxmlformats.org/officeDocument/2006/relationships" xmlns:p="http://schemas.openxmlformats.org/presentationml/2006/main">
   <p:cSld>
     <p:spTree>
@@ -39953,7 +40624,7 @@
           <a:p>
             <a:fld id="{06ABA5CD-7A95-40B8-90D9-C5B6B6D9B417}" type="slidenum">
               <a:rPr lang="zh-CN" altLang="en-US" smtClean="0"/>
-              <a:t>41</a:t>
+              <a:t>42</a:t>
             </a:fld>
             <a:endParaRPr lang="zh-CN" altLang="en-US"/>
           </a:p>
